--- a/material/17_CSharp_WPF (기초, 기본 도구상자).pptx
+++ b/material/17_CSharp_WPF (기초, 기본 도구상자).pptx
@@ -19,7 +19,7 @@
     <p:sldId id="673" r:id="rId10"/>
     <p:sldId id="671" r:id="rId11"/>
     <p:sldId id="686" r:id="rId12"/>
-    <p:sldId id="747" r:id="rId13"/>
+    <p:sldId id="749" r:id="rId13"/>
     <p:sldId id="691" r:id="rId14"/>
     <p:sldId id="712" r:id="rId15"/>
     <p:sldId id="713" r:id="rId16"/>
@@ -44,18 +44,22 @@
   <p:notesSz cx="6858000" cy="9144000"/>
   <p:embeddedFontLst>
     <p:embeddedFont>
-      <p:font typeface="Pretendard Black" panose="020B0600000101010101" charset="0"/>
-      <p:bold r:id="rId34"/>
-    </p:embeddedFont>
-    <p:embeddedFont>
-      <p:font typeface="Pretendard GOV" panose="02000503000000020004" pitchFamily="2" charset="-127"/>
-      <p:regular r:id="rId35"/>
-      <p:bold r:id="rId36"/>
+      <p:font typeface="Pretendard GOV" panose="020B0600000101010101" charset="-127"/>
+      <p:regular r:id="rId34"/>
+      <p:bold r:id="rId35"/>
     </p:embeddedFont>
     <p:embeddedFont>
       <p:font typeface="맑은 고딕" panose="020B0503020000020004" pitchFamily="50" charset="-127"/>
-      <p:regular r:id="rId37"/>
+      <p:regular r:id="rId36"/>
+      <p:bold r:id="rId37"/>
+    </p:embeddedFont>
+    <p:embeddedFont>
+      <p:font typeface="Pretendard SemiBold" panose="02000703000000020004" pitchFamily="2" charset="-127"/>
       <p:bold r:id="rId38"/>
+    </p:embeddedFont>
+    <p:embeddedFont>
+      <p:font typeface="Pretendard Black" panose="02000A03000000020004" pitchFamily="2" charset="-127"/>
+      <p:bold r:id="rId39"/>
     </p:embeddedFont>
   </p:embeddedFontLst>
   <p:defaultTextStyle>
@@ -680,52 +684,7 @@
           <a:bodyPr/>
           <a:lstStyle/>
           <a:p>
-            <a:r>
-              <a:rPr lang="en-US" altLang="ko-KR" dirty="0" err="1"/>
-              <a:t>initializecomponent</a:t>
-            </a:r>
-            <a:r>
-              <a:rPr lang="en-US" altLang="ko-KR" dirty="0"/>
-              <a:t>' </a:t>
-            </a:r>
-            <a:r>
-              <a:rPr lang="ko-KR" altLang="en-US" dirty="0"/>
-              <a:t>이름이 현재 컨텍스트에 없습니다</a:t>
-            </a:r>
-            <a:endParaRPr lang="en-US" altLang="ko-KR" dirty="0"/>
-          </a:p>
-          <a:p>
-            <a:endParaRPr lang="en-US" altLang="ko-KR" dirty="0"/>
-          </a:p>
-          <a:p>
-            <a:r>
-              <a:rPr lang="ko-KR" altLang="en-US" dirty="0"/>
-              <a:t>라는 에러가 나오면 </a:t>
-            </a:r>
-            <a:r>
-              <a:rPr lang="en-US" altLang="ko-KR" dirty="0"/>
-              <a:t>.vs </a:t>
-            </a:r>
-            <a:r>
-              <a:rPr lang="ko-KR" altLang="en-US" dirty="0"/>
-              <a:t>폴더를 지우고 </a:t>
-            </a:r>
-            <a:r>
-              <a:rPr lang="en-US" altLang="ko-KR" dirty="0"/>
-              <a:t>vs</a:t>
-            </a:r>
-            <a:r>
-              <a:rPr lang="ko-KR" altLang="en-US" dirty="0"/>
-              <a:t>를 </a:t>
-            </a:r>
-            <a:r>
-              <a:rPr lang="ko-KR" altLang="en-US" dirty="0" err="1"/>
-              <a:t>재시작하면</a:t>
-            </a:r>
-            <a:r>
-              <a:rPr lang="ko-KR" altLang="en-US" dirty="0"/>
-              <a:t> 된다</a:t>
-            </a:r>
+            <a:endParaRPr lang="ko-KR" altLang="en-US" dirty="0"/>
           </a:p>
         </p:txBody>
       </p:sp>
@@ -746,7 +705,7 @@
           <a:p>
             <a:fld id="{C09E5BFC-1559-42F1-8940-AB342D56BF02}" type="slidenum">
               <a:rPr lang="ko-KR" altLang="en-US" smtClean="0"/>
-              <a:t>14</a:t>
+              <a:t>12</a:t>
             </a:fld>
             <a:endParaRPr lang="ko-KR" altLang="en-US"/>
           </a:p>
@@ -755,7 +714,7 @@
     </p:spTree>
     <p:extLst>
       <p:ext uri="{BB962C8B-B14F-4D97-AF65-F5344CB8AC3E}">
-        <p14:creationId xmlns:p14="http://schemas.microsoft.com/office/powerpoint/2010/main" val="3904498649"/>
+        <p14:creationId xmlns:p14="http://schemas.microsoft.com/office/powerpoint/2010/main" val="690551385"/>
       </p:ext>
     </p:extLst>
   </p:cSld>
@@ -809,7 +768,52 @@
           <a:bodyPr/>
           <a:lstStyle/>
           <a:p>
-            <a:endParaRPr lang="ko-KR" altLang="en-US" dirty="0"/>
+            <a:r>
+              <a:rPr lang="en-US" altLang="ko-KR" dirty="0" err="1"/>
+              <a:t>initializecomponent</a:t>
+            </a:r>
+            <a:r>
+              <a:rPr lang="en-US" altLang="ko-KR" dirty="0"/>
+              <a:t>' </a:t>
+            </a:r>
+            <a:r>
+              <a:rPr lang="ko-KR" altLang="en-US" dirty="0"/>
+              <a:t>이름이 현재 컨텍스트에 없습니다</a:t>
+            </a:r>
+            <a:endParaRPr lang="en-US" altLang="ko-KR" dirty="0"/>
+          </a:p>
+          <a:p>
+            <a:endParaRPr lang="en-US" altLang="ko-KR" dirty="0"/>
+          </a:p>
+          <a:p>
+            <a:r>
+              <a:rPr lang="ko-KR" altLang="en-US" dirty="0"/>
+              <a:t>라는 에러가 나오면 </a:t>
+            </a:r>
+            <a:r>
+              <a:rPr lang="en-US" altLang="ko-KR" dirty="0"/>
+              <a:t>.vs </a:t>
+            </a:r>
+            <a:r>
+              <a:rPr lang="ko-KR" altLang="en-US" dirty="0"/>
+              <a:t>폴더를 지우고 </a:t>
+            </a:r>
+            <a:r>
+              <a:rPr lang="en-US" altLang="ko-KR" dirty="0"/>
+              <a:t>vs</a:t>
+            </a:r>
+            <a:r>
+              <a:rPr lang="ko-KR" altLang="en-US" dirty="0"/>
+              <a:t>를 </a:t>
+            </a:r>
+            <a:r>
+              <a:rPr lang="ko-KR" altLang="en-US" dirty="0" err="1"/>
+              <a:t>재시작하면</a:t>
+            </a:r>
+            <a:r>
+              <a:rPr lang="ko-KR" altLang="en-US" dirty="0"/>
+              <a:t> 된다</a:t>
+            </a:r>
           </a:p>
         </p:txBody>
       </p:sp>
@@ -830,7 +834,7 @@
           <a:p>
             <a:fld id="{C09E5BFC-1559-42F1-8940-AB342D56BF02}" type="slidenum">
               <a:rPr lang="ko-KR" altLang="en-US" smtClean="0"/>
-              <a:t>15</a:t>
+              <a:t>14</a:t>
             </a:fld>
             <a:endParaRPr lang="ko-KR" altLang="en-US"/>
           </a:p>
@@ -839,7 +843,7 @@
     </p:spTree>
     <p:extLst>
       <p:ext uri="{BB962C8B-B14F-4D97-AF65-F5344CB8AC3E}">
-        <p14:creationId xmlns:p14="http://schemas.microsoft.com/office/powerpoint/2010/main" val="3834961860"/>
+        <p14:creationId xmlns:p14="http://schemas.microsoft.com/office/powerpoint/2010/main" val="3904498649"/>
       </p:ext>
     </p:extLst>
   </p:cSld>
@@ -893,6 +897,580 @@
           <a:bodyPr/>
           <a:lstStyle/>
           <a:p>
+            <a:r>
+              <a:rPr lang="ko-KR" altLang="en-US" b="1" dirty="0" smtClean="0"/>
+              <a:t>탭 형태의 </a:t>
+            </a:r>
+            <a:r>
+              <a:rPr lang="en-US" altLang="ko-KR" b="1" dirty="0" smtClean="0"/>
+              <a:t>UI</a:t>
+            </a:r>
+            <a:r>
+              <a:rPr lang="ko-KR" altLang="en-US" dirty="0" smtClean="0"/>
+              <a:t>를 구성할 수 있는</a:t>
+            </a:r>
+            <a:endParaRPr lang="en-US" altLang="ko-KR" dirty="0" smtClean="0"/>
+          </a:p>
+          <a:p>
+            <a:r>
+              <a:rPr lang="ko-KR" altLang="en-US" dirty="0" smtClean="0"/>
+              <a:t>웹 브라우저처럼 탭 버튼을 눌러 각기 다른 내용을 한 화면에서 전환할 수 있도록 합니다</a:t>
+            </a:r>
+            <a:r>
+              <a:rPr lang="en-US" altLang="ko-KR" dirty="0" smtClean="0"/>
+              <a:t>.</a:t>
+            </a:r>
+            <a:r>
+              <a:rPr lang="ko-KR" altLang="en-US" dirty="0" smtClean="0"/>
+              <a:t> 컨트롤입니다</a:t>
+            </a:r>
+            <a:r>
+              <a:rPr lang="en-US" altLang="ko-KR" dirty="0" smtClean="0"/>
+              <a:t>.</a:t>
+            </a:r>
+            <a:endParaRPr lang="ko-KR" altLang="en-US" dirty="0"/>
+          </a:p>
+        </p:txBody>
+      </p:sp>
+      <p:sp>
+        <p:nvSpPr>
+          <p:cNvPr id="4" name="슬라이드 번호 개체 틀 3"/>
+          <p:cNvSpPr>
+            <a:spLocks noGrp="1"/>
+          </p:cNvSpPr>
+          <p:nvPr>
+            <p:ph type="sldNum" sz="quarter" idx="5"/>
+          </p:nvPr>
+        </p:nvSpPr>
+        <p:spPr/>
+        <p:txBody>
+          <a:bodyPr/>
+          <a:lstStyle/>
+          <a:p>
+            <a:fld id="{C09E5BFC-1559-42F1-8940-AB342D56BF02}" type="slidenum">
+              <a:rPr lang="ko-KR" altLang="en-US" smtClean="0"/>
+              <a:t>15</a:t>
+            </a:fld>
+            <a:endParaRPr lang="ko-KR" altLang="en-US"/>
+          </a:p>
+        </p:txBody>
+      </p:sp>
+    </p:spTree>
+    <p:extLst>
+      <p:ext uri="{BB962C8B-B14F-4D97-AF65-F5344CB8AC3E}">
+        <p14:creationId xmlns:p14="http://schemas.microsoft.com/office/powerpoint/2010/main" val="3834961860"/>
+      </p:ext>
+    </p:extLst>
+  </p:cSld>
+  <p:clrMapOvr>
+    <a:masterClrMapping/>
+  </p:clrMapOvr>
+</p:notes>
+</file>
+
+<file path=ppt/notesSlides/notesSlide13.xml><?xml version="1.0" encoding="utf-8"?>
+<p:notes xmlns:a="http://schemas.openxmlformats.org/drawingml/2006/main" xmlns:r="http://schemas.openxmlformats.org/officeDocument/2006/relationships" xmlns:p="http://schemas.openxmlformats.org/presentationml/2006/main">
+  <p:cSld>
+    <p:spTree>
+      <p:nvGrpSpPr>
+        <p:cNvPr id="1" name=""/>
+        <p:cNvGrpSpPr/>
+        <p:nvPr/>
+      </p:nvGrpSpPr>
+      <p:grpSpPr>
+        <a:xfrm>
+          <a:off x="0" y="0"/>
+          <a:ext cx="0" cy="0"/>
+          <a:chOff x="0" y="0"/>
+          <a:chExt cx="0" cy="0"/>
+        </a:xfrm>
+      </p:grpSpPr>
+      <p:sp>
+        <p:nvSpPr>
+          <p:cNvPr id="2" name="슬라이드 이미지 개체 틀 1"/>
+          <p:cNvSpPr>
+            <a:spLocks noGrp="1" noRot="1" noChangeAspect="1"/>
+          </p:cNvSpPr>
+          <p:nvPr>
+            <p:ph type="sldImg"/>
+          </p:nvPr>
+        </p:nvSpPr>
+        <p:spPr/>
+      </p:sp>
+      <p:sp>
+        <p:nvSpPr>
+          <p:cNvPr id="3" name="슬라이드 노트 개체 틀 2"/>
+          <p:cNvSpPr>
+            <a:spLocks noGrp="1"/>
+          </p:cNvSpPr>
+          <p:nvPr>
+            <p:ph type="body" idx="1"/>
+          </p:nvPr>
+        </p:nvSpPr>
+        <p:spPr/>
+        <p:txBody>
+          <a:bodyPr/>
+          <a:lstStyle/>
+          <a:p>
+            <a:r>
+              <a:rPr lang="en-US" altLang="ko-KR" dirty="0" err="1" smtClean="0"/>
+              <a:t>GroupBox</a:t>
+            </a:r>
+            <a:r>
+              <a:rPr lang="en-US" altLang="ko-KR" dirty="0" smtClean="0"/>
+              <a:t>**</a:t>
+            </a:r>
+            <a:r>
+              <a:rPr lang="ko-KR" altLang="en-US" dirty="0" smtClean="0"/>
+              <a:t>는 여러 개의 </a:t>
+            </a:r>
+            <a:r>
+              <a:rPr lang="en-US" altLang="ko-KR" dirty="0" smtClean="0"/>
+              <a:t>UI </a:t>
+            </a:r>
+            <a:r>
+              <a:rPr lang="ko-KR" altLang="en-US" dirty="0" smtClean="0"/>
+              <a:t>요소를 </a:t>
+            </a:r>
+            <a:r>
+              <a:rPr lang="ko-KR" altLang="en-US" b="1" dirty="0" smtClean="0"/>
+              <a:t>하나의 그룹으로 묶어주고</a:t>
+            </a:r>
+            <a:r>
+              <a:rPr lang="en-US" altLang="ko-KR" dirty="0" smtClean="0"/>
+              <a:t>, </a:t>
+            </a:r>
+            <a:r>
+              <a:rPr lang="ko-KR" altLang="en-US" dirty="0" smtClean="0"/>
+              <a:t>그 그룹에 </a:t>
+            </a:r>
+            <a:r>
+              <a:rPr lang="ko-KR" altLang="en-US" b="1" dirty="0" smtClean="0"/>
+              <a:t>제목</a:t>
+            </a:r>
+            <a:r>
+              <a:rPr lang="en-US" altLang="ko-KR" b="1" dirty="0" smtClean="0"/>
+              <a:t>(Label)</a:t>
+            </a:r>
+            <a:r>
+              <a:rPr lang="ko-KR" altLang="en-US" dirty="0" smtClean="0"/>
+              <a:t> 을 붙일 수 있는 **컨테이너</a:t>
+            </a:r>
+            <a:r>
+              <a:rPr lang="en-US" altLang="ko-KR" dirty="0" smtClean="0"/>
+              <a:t>(</a:t>
+            </a:r>
+            <a:r>
+              <a:rPr lang="ko-KR" altLang="en-US" dirty="0" smtClean="0"/>
+              <a:t>패널</a:t>
+            </a:r>
+            <a:r>
+              <a:rPr lang="en-US" altLang="ko-KR" dirty="0" smtClean="0"/>
+              <a:t>)**</a:t>
+            </a:r>
+            <a:r>
+              <a:rPr lang="ko-KR" altLang="en-US" dirty="0" smtClean="0"/>
+              <a:t>입니다</a:t>
+            </a:r>
+            <a:r>
+              <a:rPr lang="en-US" altLang="ko-KR" dirty="0" smtClean="0"/>
+              <a:t>.</a:t>
+            </a:r>
+          </a:p>
+          <a:p>
+            <a:r>
+              <a:rPr lang="ko-KR" altLang="en-US" dirty="0" smtClean="0"/>
+              <a:t>즉</a:t>
+            </a:r>
+            <a:r>
+              <a:rPr lang="en-US" altLang="ko-KR" dirty="0" smtClean="0"/>
+              <a:t>, </a:t>
+            </a:r>
+            <a:r>
+              <a:rPr lang="ko-KR" altLang="en-US" dirty="0" smtClean="0"/>
+              <a:t>관련된 항목들을 </a:t>
+            </a:r>
+            <a:r>
+              <a:rPr lang="ko-KR" altLang="en-US" b="1" dirty="0" smtClean="0"/>
+              <a:t>시각적으로 묶어 표현</a:t>
+            </a:r>
+            <a:r>
+              <a:rPr lang="ko-KR" altLang="en-US" dirty="0" smtClean="0"/>
+              <a:t>할 때 사용해요</a:t>
+            </a:r>
+            <a:r>
+              <a:rPr lang="en-US" altLang="ko-KR" dirty="0" smtClean="0"/>
+              <a:t>.</a:t>
+            </a:r>
+          </a:p>
+          <a:p>
+            <a:endParaRPr lang="ko-KR" altLang="en-US" dirty="0"/>
+          </a:p>
+        </p:txBody>
+      </p:sp>
+      <p:sp>
+        <p:nvSpPr>
+          <p:cNvPr id="4" name="슬라이드 번호 개체 틀 3"/>
+          <p:cNvSpPr>
+            <a:spLocks noGrp="1"/>
+          </p:cNvSpPr>
+          <p:nvPr>
+            <p:ph type="sldNum" sz="quarter" idx="10"/>
+          </p:nvPr>
+        </p:nvSpPr>
+        <p:spPr/>
+        <p:txBody>
+          <a:bodyPr/>
+          <a:lstStyle/>
+          <a:p>
+            <a:fld id="{C09E5BFC-1559-42F1-8940-AB342D56BF02}" type="slidenum">
+              <a:rPr lang="ko-KR" altLang="en-US" smtClean="0"/>
+              <a:t>16</a:t>
+            </a:fld>
+            <a:endParaRPr lang="ko-KR" altLang="en-US"/>
+          </a:p>
+        </p:txBody>
+      </p:sp>
+    </p:spTree>
+    <p:extLst>
+      <p:ext uri="{BB962C8B-B14F-4D97-AF65-F5344CB8AC3E}">
+        <p14:creationId xmlns:p14="http://schemas.microsoft.com/office/powerpoint/2010/main" val="2846122770"/>
+      </p:ext>
+    </p:extLst>
+  </p:cSld>
+  <p:clrMapOvr>
+    <a:masterClrMapping/>
+  </p:clrMapOvr>
+</p:notes>
+</file>
+
+<file path=ppt/notesSlides/notesSlide14.xml><?xml version="1.0" encoding="utf-8"?>
+<p:notes xmlns:a="http://schemas.openxmlformats.org/drawingml/2006/main" xmlns:r="http://schemas.openxmlformats.org/officeDocument/2006/relationships" xmlns:p="http://schemas.openxmlformats.org/presentationml/2006/main">
+  <p:cSld>
+    <p:spTree>
+      <p:nvGrpSpPr>
+        <p:cNvPr id="1" name=""/>
+        <p:cNvGrpSpPr/>
+        <p:nvPr/>
+      </p:nvGrpSpPr>
+      <p:grpSpPr>
+        <a:xfrm>
+          <a:off x="0" y="0"/>
+          <a:ext cx="0" cy="0"/>
+          <a:chOff x="0" y="0"/>
+          <a:chExt cx="0" cy="0"/>
+        </a:xfrm>
+      </p:grpSpPr>
+      <p:sp>
+        <p:nvSpPr>
+          <p:cNvPr id="2" name="슬라이드 이미지 개체 틀 1"/>
+          <p:cNvSpPr>
+            <a:spLocks noGrp="1" noRot="1" noChangeAspect="1"/>
+          </p:cNvSpPr>
+          <p:nvPr>
+            <p:ph type="sldImg"/>
+          </p:nvPr>
+        </p:nvSpPr>
+        <p:spPr/>
+      </p:sp>
+      <p:sp>
+        <p:nvSpPr>
+          <p:cNvPr id="3" name="슬라이드 노트 개체 틀 2"/>
+          <p:cNvSpPr>
+            <a:spLocks noGrp="1"/>
+          </p:cNvSpPr>
+          <p:nvPr>
+            <p:ph type="body" idx="1"/>
+          </p:nvPr>
+        </p:nvSpPr>
+        <p:spPr/>
+        <p:txBody>
+          <a:bodyPr/>
+          <a:lstStyle/>
+          <a:p>
+            <a:r>
+              <a:rPr lang="en-US" altLang="ko-KR" b="1" dirty="0" err="1" smtClean="0"/>
+              <a:t>RadioButton</a:t>
+            </a:r>
+            <a:r>
+              <a:rPr lang="ko-KR" altLang="en-US" dirty="0" smtClean="0"/>
+              <a:t>은 여러 개의 선택지 중 </a:t>
+            </a:r>
+            <a:r>
+              <a:rPr lang="ko-KR" altLang="en-US" b="1" dirty="0" smtClean="0"/>
+              <a:t>하나만 선택할 수 있도록 제한</a:t>
+            </a:r>
+            <a:r>
+              <a:rPr lang="ko-KR" altLang="en-US" dirty="0" smtClean="0"/>
+              <a:t>하는 컨트롤입니다</a:t>
+            </a:r>
+            <a:r>
+              <a:rPr lang="en-US" altLang="ko-KR" dirty="0" smtClean="0"/>
+              <a:t>.</a:t>
+            </a:r>
+          </a:p>
+          <a:p>
+            <a:r>
+              <a:rPr lang="ko-KR" altLang="en-US" b="1" dirty="0" smtClean="0"/>
+              <a:t>중복 선택을 막기 위한 용도</a:t>
+            </a:r>
+            <a:endParaRPr lang="ko-KR" altLang="en-US" dirty="0" smtClean="0"/>
+          </a:p>
+          <a:p>
+            <a:r>
+              <a:rPr lang="ko-KR" altLang="en-US" dirty="0" smtClean="0"/>
+              <a:t>설문조사</a:t>
+            </a:r>
+            <a:r>
+              <a:rPr lang="en-US" altLang="ko-KR" dirty="0" smtClean="0"/>
+              <a:t>, </a:t>
+            </a:r>
+            <a:r>
+              <a:rPr lang="ko-KR" altLang="en-US" dirty="0" smtClean="0"/>
+              <a:t>옵션 선택</a:t>
+            </a:r>
+            <a:r>
+              <a:rPr lang="en-US" altLang="ko-KR" dirty="0" smtClean="0"/>
+              <a:t>, </a:t>
+            </a:r>
+            <a:r>
+              <a:rPr lang="ko-KR" altLang="en-US" dirty="0" smtClean="0"/>
+              <a:t>성별 선택 등에서 자주 사용됩니다</a:t>
+            </a:r>
+            <a:r>
+              <a:rPr lang="en-US" altLang="ko-KR" dirty="0" smtClean="0"/>
+              <a:t>.</a:t>
+            </a:r>
+          </a:p>
+          <a:p>
+            <a:endParaRPr lang="en-US" altLang="ko-KR" dirty="0" smtClean="0"/>
+          </a:p>
+          <a:p>
+            <a:r>
+              <a:rPr lang="en-US" altLang="ko-KR" b="1" dirty="0" smtClean="0"/>
+              <a:t>. Checked / Unchecked</a:t>
+            </a:r>
+          </a:p>
+          <a:p>
+            <a:r>
+              <a:rPr lang="ko-KR" altLang="en-US" dirty="0" smtClean="0"/>
+              <a:t>라디오 버튼의 선택 여부가 바뀔 때 실행할 </a:t>
+            </a:r>
+            <a:r>
+              <a:rPr lang="ko-KR" altLang="en-US" b="1" dirty="0" smtClean="0"/>
+              <a:t>이벤트 </a:t>
+            </a:r>
+            <a:r>
+              <a:rPr lang="ko-KR" altLang="en-US" b="1" dirty="0" err="1" smtClean="0"/>
+              <a:t>핸들러</a:t>
+            </a:r>
+            <a:r>
+              <a:rPr lang="en-US" altLang="ko-KR" b="1" dirty="0" smtClean="0"/>
+              <a:t>(</a:t>
+            </a:r>
+            <a:r>
+              <a:rPr lang="ko-KR" altLang="en-US" b="1" dirty="0" smtClean="0"/>
+              <a:t>메서드</a:t>
+            </a:r>
+            <a:r>
+              <a:rPr lang="en-US" altLang="ko-KR" b="1" dirty="0" smtClean="0"/>
+              <a:t>)</a:t>
+            </a:r>
+            <a:r>
+              <a:rPr lang="ko-KR" altLang="en-US" b="1" dirty="0" smtClean="0"/>
+              <a:t>를 연결</a:t>
+            </a:r>
+            <a:r>
+              <a:rPr lang="ko-KR" altLang="en-US" dirty="0" smtClean="0"/>
+              <a:t>하는 속성입니다</a:t>
+            </a:r>
+            <a:r>
+              <a:rPr lang="en-US" altLang="ko-KR" dirty="0" smtClean="0"/>
+              <a:t>.</a:t>
+            </a:r>
+          </a:p>
+          <a:p>
+            <a:endParaRPr lang="en-US" altLang="ko-KR" dirty="0" smtClean="0"/>
+          </a:p>
+          <a:p>
+            <a:r>
+              <a:rPr lang="en-US" altLang="ko-KR" b="1" dirty="0" smtClean="0"/>
+              <a:t>3. </a:t>
+            </a:r>
+            <a:r>
+              <a:rPr lang="en-US" altLang="ko-KR" b="1" dirty="0" err="1" smtClean="0"/>
+              <a:t>GroupName</a:t>
+            </a:r>
+            <a:endParaRPr lang="en-US" altLang="ko-KR" b="1" dirty="0" smtClean="0"/>
+          </a:p>
+          <a:p>
+            <a:r>
+              <a:rPr lang="ko-KR" altLang="en-US" dirty="0" smtClean="0"/>
+              <a:t>여러 개의 라디오 버튼이 </a:t>
+            </a:r>
+            <a:r>
+              <a:rPr lang="ko-KR" altLang="en-US" b="1" dirty="0" smtClean="0"/>
+              <a:t>서로 다른 그룹</a:t>
+            </a:r>
+            <a:r>
+              <a:rPr lang="ko-KR" altLang="en-US" dirty="0" smtClean="0"/>
+              <a:t>으로 동작하도록 구분하는 속성입니다</a:t>
+            </a:r>
+            <a:r>
+              <a:rPr lang="en-US" altLang="ko-KR" dirty="0" smtClean="0"/>
+              <a:t>.</a:t>
+            </a:r>
+          </a:p>
+          <a:p>
+            <a:r>
+              <a:rPr lang="ko-KR" altLang="en-US" dirty="0" smtClean="0"/>
+              <a:t>같은 </a:t>
+            </a:r>
+            <a:r>
+              <a:rPr lang="en-US" altLang="ko-KR" dirty="0" err="1" smtClean="0"/>
+              <a:t>GroupName</a:t>
+            </a:r>
+            <a:r>
+              <a:rPr lang="ko-KR" altLang="en-US" dirty="0" smtClean="0"/>
+              <a:t>을 가진 버튼들끼리는 </a:t>
+            </a:r>
+            <a:r>
+              <a:rPr lang="ko-KR" altLang="en-US" b="1" dirty="0" smtClean="0"/>
+              <a:t>서로 하나만 선택</a:t>
+            </a:r>
+            <a:r>
+              <a:rPr lang="ko-KR" altLang="en-US" dirty="0" smtClean="0"/>
+              <a:t> 가능해요</a:t>
+            </a:r>
+            <a:r>
+              <a:rPr lang="en-US" altLang="ko-KR" dirty="0" smtClean="0"/>
+              <a:t>.</a:t>
+            </a:r>
+          </a:p>
+          <a:p>
+            <a:r>
+              <a:rPr lang="ko-KR" altLang="en-US" dirty="0" smtClean="0"/>
+              <a:t>다른 </a:t>
+            </a:r>
+            <a:r>
+              <a:rPr lang="en-US" altLang="ko-KR" dirty="0" err="1" smtClean="0"/>
+              <a:t>GroupName</a:t>
+            </a:r>
+            <a:r>
+              <a:rPr lang="ko-KR" altLang="en-US" dirty="0" smtClean="0"/>
+              <a:t>을 부여하면 </a:t>
+            </a:r>
+            <a:r>
+              <a:rPr lang="ko-KR" altLang="en-US" b="1" dirty="0" smtClean="0"/>
+              <a:t>동시에 선택 가능</a:t>
+            </a:r>
+            <a:r>
+              <a:rPr lang="ko-KR" altLang="en-US" dirty="0" smtClean="0"/>
+              <a:t>합니다</a:t>
+            </a:r>
+            <a:r>
+              <a:rPr lang="en-US" altLang="ko-KR" dirty="0" smtClean="0"/>
+              <a:t>.</a:t>
+            </a:r>
+          </a:p>
+          <a:p>
+            <a:r>
+              <a:rPr lang="en-US" altLang="ko-KR" dirty="0" smtClean="0"/>
+              <a:t>xml</a:t>
+            </a:r>
+          </a:p>
+          <a:p>
+            <a:r>
+              <a:rPr lang="ko-KR" altLang="en-US" dirty="0" err="1" smtClean="0"/>
+              <a:t>복사편집</a:t>
+            </a:r>
+            <a:endParaRPr lang="ko-KR" altLang="en-US" dirty="0" smtClean="0"/>
+          </a:p>
+          <a:p>
+            <a:endParaRPr lang="ko-KR" altLang="en-US" dirty="0"/>
+          </a:p>
+        </p:txBody>
+      </p:sp>
+      <p:sp>
+        <p:nvSpPr>
+          <p:cNvPr id="4" name="슬라이드 번호 개체 틀 3"/>
+          <p:cNvSpPr>
+            <a:spLocks noGrp="1"/>
+          </p:cNvSpPr>
+          <p:nvPr>
+            <p:ph type="sldNum" sz="quarter" idx="10"/>
+          </p:nvPr>
+        </p:nvSpPr>
+        <p:spPr/>
+        <p:txBody>
+          <a:bodyPr/>
+          <a:lstStyle/>
+          <a:p>
+            <a:fld id="{C09E5BFC-1559-42F1-8940-AB342D56BF02}" type="slidenum">
+              <a:rPr lang="ko-KR" altLang="en-US" smtClean="0"/>
+              <a:t>17</a:t>
+            </a:fld>
+            <a:endParaRPr lang="ko-KR" altLang="en-US"/>
+          </a:p>
+        </p:txBody>
+      </p:sp>
+    </p:spTree>
+    <p:extLst>
+      <p:ext uri="{BB962C8B-B14F-4D97-AF65-F5344CB8AC3E}">
+        <p14:creationId xmlns:p14="http://schemas.microsoft.com/office/powerpoint/2010/main" val="3020932881"/>
+      </p:ext>
+    </p:extLst>
+  </p:cSld>
+  <p:clrMapOvr>
+    <a:masterClrMapping/>
+  </p:clrMapOvr>
+</p:notes>
+</file>
+
+<file path=ppt/notesSlides/notesSlide15.xml><?xml version="1.0" encoding="utf-8"?>
+<p:notes xmlns:a="http://schemas.openxmlformats.org/drawingml/2006/main" xmlns:r="http://schemas.openxmlformats.org/officeDocument/2006/relationships" xmlns:p="http://schemas.openxmlformats.org/presentationml/2006/main">
+  <p:cSld>
+    <p:spTree>
+      <p:nvGrpSpPr>
+        <p:cNvPr id="1" name=""/>
+        <p:cNvGrpSpPr/>
+        <p:nvPr/>
+      </p:nvGrpSpPr>
+      <p:grpSpPr>
+        <a:xfrm>
+          <a:off x="0" y="0"/>
+          <a:ext cx="0" cy="0"/>
+          <a:chOff x="0" y="0"/>
+          <a:chExt cx="0" cy="0"/>
+        </a:xfrm>
+      </p:grpSpPr>
+      <p:sp>
+        <p:nvSpPr>
+          <p:cNvPr id="2" name="슬라이드 이미지 개체 틀 1"/>
+          <p:cNvSpPr>
+            <a:spLocks noGrp="1" noRot="1" noChangeAspect="1"/>
+          </p:cNvSpPr>
+          <p:nvPr>
+            <p:ph type="sldImg"/>
+          </p:nvPr>
+        </p:nvSpPr>
+        <p:spPr/>
+      </p:sp>
+      <p:sp>
+        <p:nvSpPr>
+          <p:cNvPr id="3" name="슬라이드 노트 개체 틀 2"/>
+          <p:cNvSpPr>
+            <a:spLocks noGrp="1"/>
+          </p:cNvSpPr>
+          <p:nvPr>
+            <p:ph type="body" idx="1"/>
+          </p:nvPr>
+        </p:nvSpPr>
+        <p:spPr/>
+        <p:txBody>
+          <a:bodyPr/>
+          <a:lstStyle/>
+          <a:p>
             <a:endParaRPr lang="ko-KR" altLang="en-US" dirty="0"/>
           </a:p>
         </p:txBody>
@@ -933,7 +1511,91 @@
 </p:notes>
 </file>
 
-<file path=ppt/notesSlides/notesSlide13.xml><?xml version="1.0" encoding="utf-8"?>
+<file path=ppt/notesSlides/notesSlide16.xml><?xml version="1.0" encoding="utf-8"?>
+<p:notes xmlns:a="http://schemas.openxmlformats.org/drawingml/2006/main" xmlns:r="http://schemas.openxmlformats.org/officeDocument/2006/relationships" xmlns:p="http://schemas.openxmlformats.org/presentationml/2006/main">
+  <p:cSld>
+    <p:spTree>
+      <p:nvGrpSpPr>
+        <p:cNvPr id="1" name=""/>
+        <p:cNvGrpSpPr/>
+        <p:nvPr/>
+      </p:nvGrpSpPr>
+      <p:grpSpPr>
+        <a:xfrm>
+          <a:off x="0" y="0"/>
+          <a:ext cx="0" cy="0"/>
+          <a:chOff x="0" y="0"/>
+          <a:chExt cx="0" cy="0"/>
+        </a:xfrm>
+      </p:grpSpPr>
+      <p:sp>
+        <p:nvSpPr>
+          <p:cNvPr id="2" name="슬라이드 이미지 개체 틀 1"/>
+          <p:cNvSpPr>
+            <a:spLocks noGrp="1" noRot="1" noChangeAspect="1"/>
+          </p:cNvSpPr>
+          <p:nvPr>
+            <p:ph type="sldImg"/>
+          </p:nvPr>
+        </p:nvSpPr>
+        <p:spPr/>
+      </p:sp>
+      <p:sp>
+        <p:nvSpPr>
+          <p:cNvPr id="3" name="슬라이드 노트 개체 틀 2"/>
+          <p:cNvSpPr>
+            <a:spLocks noGrp="1"/>
+          </p:cNvSpPr>
+          <p:nvPr>
+            <p:ph type="body" idx="1"/>
+          </p:nvPr>
+        </p:nvSpPr>
+        <p:spPr/>
+        <p:txBody>
+          <a:bodyPr/>
+          <a:lstStyle/>
+          <a:p>
+            <a:endParaRPr lang="ko-KR" altLang="en-US" dirty="0"/>
+          </a:p>
+        </p:txBody>
+      </p:sp>
+      <p:sp>
+        <p:nvSpPr>
+          <p:cNvPr id="4" name="슬라이드 번호 개체 틀 3"/>
+          <p:cNvSpPr>
+            <a:spLocks noGrp="1"/>
+          </p:cNvSpPr>
+          <p:nvPr>
+            <p:ph type="sldNum" sz="quarter" idx="10"/>
+          </p:nvPr>
+        </p:nvSpPr>
+        <p:spPr/>
+        <p:txBody>
+          <a:bodyPr/>
+          <a:lstStyle/>
+          <a:p>
+            <a:fld id="{C09E5BFC-1559-42F1-8940-AB342D56BF02}" type="slidenum">
+              <a:rPr lang="ko-KR" altLang="en-US" smtClean="0"/>
+              <a:t>28</a:t>
+            </a:fld>
+            <a:endParaRPr lang="ko-KR" altLang="en-US"/>
+          </a:p>
+        </p:txBody>
+      </p:sp>
+    </p:spTree>
+    <p:extLst>
+      <p:ext uri="{BB962C8B-B14F-4D97-AF65-F5344CB8AC3E}">
+        <p14:creationId xmlns:p14="http://schemas.microsoft.com/office/powerpoint/2010/main" val="1754057970"/>
+      </p:ext>
+    </p:extLst>
+  </p:cSld>
+  <p:clrMapOvr>
+    <a:masterClrMapping/>
+  </p:clrMapOvr>
+</p:notes>
+</file>
+
+<file path=ppt/notesSlides/notesSlide17.xml><?xml version="1.0" encoding="utf-8"?>
 <p:notes xmlns:a="http://schemas.openxmlformats.org/drawingml/2006/main" xmlns:r="http://schemas.openxmlformats.org/officeDocument/2006/relationships" xmlns:p="http://schemas.openxmlformats.org/presentationml/2006/main">
   <p:cSld>
     <p:spTree>
@@ -1658,6 +2320,10 @@
               <a:rPr lang="ko-KR" altLang="en-US" b="1" dirty="0"/>
               <a:t>다시 깔끔하게 그릴 수 있음</a:t>
             </a:r>
+            <a:r>
+              <a:rPr lang="ko-KR" altLang="en-US" dirty="0"/>
+              <a:t/>
+            </a:r>
             <a:br>
               <a:rPr lang="ko-KR" altLang="en-US" dirty="0"/>
             </a:br>
@@ -3126,6 +3792,207 @@
           <a:bodyPr/>
           <a:lstStyle/>
           <a:p>
+            <a:r>
+              <a:rPr lang="en-US" altLang="ko-KR" b="1" dirty="0" smtClean="0"/>
+              <a:t>XAML</a:t>
+            </a:r>
+            <a:r>
+              <a:rPr lang="en-US" altLang="ko-KR" dirty="0" smtClean="0"/>
+              <a:t>(</a:t>
+            </a:r>
+            <a:r>
+              <a:rPr lang="ko-KR" altLang="en-US" dirty="0" err="1" smtClean="0"/>
+              <a:t>잭설</a:t>
+            </a:r>
+            <a:r>
+              <a:rPr lang="en-US" altLang="ko-KR" dirty="0" smtClean="0"/>
+              <a:t>, </a:t>
+            </a:r>
+            <a:r>
+              <a:rPr lang="ko-KR" altLang="en-US" dirty="0" smtClean="0"/>
+              <a:t>또는 </a:t>
+            </a:r>
+            <a:r>
+              <a:rPr lang="ko-KR" altLang="en-US" dirty="0" err="1" smtClean="0"/>
+              <a:t>잼엘이라고도</a:t>
+            </a:r>
+            <a:r>
+              <a:rPr lang="ko-KR" altLang="en-US" dirty="0" smtClean="0"/>
+              <a:t> 읽음</a:t>
+            </a:r>
+            <a:r>
+              <a:rPr lang="en-US" altLang="ko-KR" dirty="0" smtClean="0"/>
+              <a:t>)</a:t>
+            </a:r>
+            <a:r>
+              <a:rPr lang="ko-KR" altLang="en-US" dirty="0" smtClean="0"/>
+              <a:t>은</a:t>
+            </a:r>
+            <a:endParaRPr lang="en-US" altLang="ko-KR" dirty="0" smtClean="0"/>
+          </a:p>
+          <a:p>
+            <a:r>
+              <a:rPr lang="en-US" altLang="ko-KR" b="1" dirty="0" smtClean="0"/>
+              <a:t>UI</a:t>
+            </a:r>
+            <a:r>
+              <a:rPr lang="ko-KR" altLang="en-US" b="1" dirty="0" smtClean="0"/>
+              <a:t>를 </a:t>
+            </a:r>
+            <a:r>
+              <a:rPr lang="ko-KR" altLang="en-US" b="1" dirty="0" err="1" smtClean="0"/>
+              <a:t>선언형</a:t>
+            </a:r>
+            <a:r>
+              <a:rPr lang="en-US" altLang="ko-KR" b="1" dirty="0" smtClean="0"/>
+              <a:t>(HTML</a:t>
+            </a:r>
+            <a:r>
+              <a:rPr lang="ko-KR" altLang="en-US" b="1" dirty="0" smtClean="0"/>
+              <a:t>처럼</a:t>
+            </a:r>
+            <a:r>
+              <a:rPr lang="en-US" altLang="ko-KR" b="1" dirty="0" smtClean="0"/>
+              <a:t>)</a:t>
+            </a:r>
+            <a:r>
+              <a:rPr lang="ko-KR" altLang="en-US" b="1" dirty="0" smtClean="0"/>
+              <a:t>으로 정의</a:t>
+            </a:r>
+            <a:endParaRPr lang="en-US" altLang="ko-KR" b="1" dirty="0" smtClean="0"/>
+          </a:p>
+          <a:p>
+            <a:endParaRPr lang="en-US" altLang="ko-KR" b="1" dirty="0" smtClean="0"/>
+          </a:p>
+          <a:p>
+            <a:r>
+              <a:rPr lang="ko-KR" altLang="en-US" dirty="0" smtClean="0"/>
+              <a:t>*코드</a:t>
+            </a:r>
+            <a:r>
+              <a:rPr lang="en-US" altLang="ko-KR" dirty="0" smtClean="0"/>
+              <a:t>(C#)**</a:t>
+            </a:r>
+            <a:r>
+              <a:rPr lang="ko-KR" altLang="en-US" dirty="0" smtClean="0"/>
+              <a:t>가 아니라 </a:t>
+            </a:r>
+            <a:r>
+              <a:rPr lang="ko-KR" altLang="en-US" b="1" dirty="0" smtClean="0"/>
+              <a:t>태그</a:t>
+            </a:r>
+            <a:r>
+              <a:rPr lang="en-US" altLang="ko-KR" b="1" dirty="0" smtClean="0"/>
+              <a:t>(XML)</a:t>
+            </a:r>
+            <a:r>
+              <a:rPr lang="ko-KR" altLang="en-US" dirty="0" smtClean="0"/>
+              <a:t> 형식으로 선언합니다</a:t>
+            </a:r>
+            <a:r>
+              <a:rPr lang="en-US" altLang="ko-KR" dirty="0" smtClean="0"/>
+              <a:t>.</a:t>
+            </a:r>
+            <a:r>
+              <a:rPr lang="ko-KR" altLang="en-US" b="1" dirty="0" smtClean="0"/>
+              <a:t>하기 위한 </a:t>
+            </a:r>
+            <a:r>
+              <a:rPr lang="en-US" altLang="ko-KR" b="1" dirty="0" smtClean="0"/>
+              <a:t>XML </a:t>
+            </a:r>
+            <a:r>
+              <a:rPr lang="ko-KR" altLang="en-US" b="1" dirty="0" smtClean="0"/>
+              <a:t>기반 언어</a:t>
+            </a:r>
+            <a:r>
+              <a:rPr lang="ko-KR" altLang="en-US" dirty="0" smtClean="0"/>
+              <a:t>입니다</a:t>
+            </a:r>
+            <a:r>
+              <a:rPr lang="en-US" altLang="ko-KR" dirty="0" smtClean="0"/>
+              <a:t>.</a:t>
+            </a:r>
+          </a:p>
+          <a:p>
+            <a:endParaRPr lang="en-US" altLang="ko-KR" dirty="0" smtClean="0"/>
+          </a:p>
+          <a:p>
+            <a:r>
+              <a:rPr lang="en-US" altLang="ko-KR" dirty="0" smtClean="0"/>
+              <a:t>Why?</a:t>
+            </a:r>
+          </a:p>
+          <a:p>
+            <a:r>
+              <a:rPr lang="en-US" altLang="ko-KR" dirty="0" smtClean="0"/>
+              <a:t>UI</a:t>
+            </a:r>
+            <a:r>
+              <a:rPr lang="ko-KR" altLang="en-US" dirty="0" smtClean="0"/>
+              <a:t>와 </a:t>
+            </a:r>
+            <a:r>
+              <a:rPr lang="ko-KR" altLang="en-US" dirty="0" err="1" smtClean="0"/>
+              <a:t>로직</a:t>
+            </a:r>
+            <a:r>
+              <a:rPr lang="ko-KR" altLang="en-US" dirty="0" smtClean="0"/>
+              <a:t> 분리</a:t>
+            </a:r>
+            <a:r>
+              <a:rPr lang="en-US" altLang="ko-KR" dirty="0" smtClean="0"/>
+              <a:t>: </a:t>
+            </a:r>
+            <a:r>
+              <a:rPr lang="ko-KR" altLang="en-US" dirty="0" smtClean="0"/>
+              <a:t>디자인은 </a:t>
+            </a:r>
+            <a:r>
+              <a:rPr lang="en-US" altLang="ko-KR" dirty="0" smtClean="0"/>
+              <a:t>XAML, </a:t>
+            </a:r>
+            <a:r>
+              <a:rPr lang="ko-KR" altLang="en-US" dirty="0" smtClean="0"/>
+              <a:t>동작은 </a:t>
+            </a:r>
+            <a:r>
+              <a:rPr lang="en-US" altLang="ko-KR" dirty="0" smtClean="0"/>
+              <a:t>C# </a:t>
+            </a:r>
+            <a:r>
+              <a:rPr lang="ko-KR" altLang="en-US" dirty="0" smtClean="0"/>
+              <a:t>코드 </a:t>
+            </a:r>
+            <a:r>
+              <a:rPr lang="en-US" altLang="ko-KR" dirty="0" smtClean="0"/>
+              <a:t>(.</a:t>
+            </a:r>
+            <a:r>
+              <a:rPr lang="en-US" altLang="ko-KR" dirty="0" err="1" smtClean="0"/>
+              <a:t>xaml.cs</a:t>
+            </a:r>
+            <a:r>
+              <a:rPr lang="en-US" altLang="ko-KR" dirty="0" smtClean="0"/>
+              <a:t>)</a:t>
+            </a:r>
+          </a:p>
+          <a:p>
+            <a:r>
+              <a:rPr lang="ko-KR" altLang="en-US" dirty="0" smtClean="0"/>
+              <a:t>시각적 개발 편리</a:t>
+            </a:r>
+            <a:endParaRPr lang="en-US" altLang="ko-KR" dirty="0" smtClean="0"/>
+          </a:p>
+          <a:p>
+            <a:r>
+              <a:rPr lang="ko-KR" altLang="en-US" dirty="0" err="1" smtClean="0"/>
+              <a:t>가독성</a:t>
+            </a:r>
+            <a:r>
+              <a:rPr lang="ko-KR" altLang="en-US" dirty="0" smtClean="0"/>
+              <a:t> 좋음</a:t>
+            </a:r>
             <a:endParaRPr lang="ko-KR" altLang="en-US" dirty="0"/>
           </a:p>
         </p:txBody>
@@ -3210,6 +4077,61 @@
           <a:bodyPr/>
           <a:lstStyle/>
           <a:p>
+            <a:r>
+              <a:rPr lang="en-US" altLang="ko-KR" dirty="0" smtClean="0"/>
+              <a:t>XAML</a:t>
+            </a:r>
+            <a:r>
+              <a:rPr lang="ko-KR" altLang="en-US" dirty="0" smtClean="0"/>
+              <a:t>은 “</a:t>
+            </a:r>
+            <a:r>
+              <a:rPr lang="ko-KR" altLang="en-US" dirty="0" err="1" smtClean="0"/>
+              <a:t>선언형</a:t>
+            </a:r>
+            <a:r>
+              <a:rPr lang="ko-KR" altLang="en-US" dirty="0" smtClean="0"/>
+              <a:t>” 언어이기 때문에 </a:t>
+            </a:r>
+            <a:r>
+              <a:rPr lang="ko-KR" altLang="en-US" b="1" dirty="0" smtClean="0"/>
+              <a:t>어떤 </a:t>
+            </a:r>
+            <a:r>
+              <a:rPr lang="en-US" altLang="ko-KR" b="1" dirty="0" smtClean="0"/>
+              <a:t>UI</a:t>
+            </a:r>
+            <a:r>
+              <a:rPr lang="ko-KR" altLang="en-US" b="1" dirty="0" smtClean="0"/>
+              <a:t>를 어떻게 배치할지 선언만 하면 되고</a:t>
+            </a:r>
+            <a:r>
+              <a:rPr lang="en-US" altLang="ko-KR" b="1" dirty="0" smtClean="0"/>
+              <a:t>,</a:t>
+            </a:r>
+            <a:br>
+              <a:rPr lang="en-US" altLang="ko-KR" b="1" dirty="0" smtClean="0"/>
+            </a:br>
+            <a:r>
+              <a:rPr lang="ko-KR" altLang="en-US" b="1" dirty="0" smtClean="0"/>
+              <a:t>실제 동작은 </a:t>
+            </a:r>
+            <a:r>
+              <a:rPr lang="en-US" altLang="ko-KR" b="1" dirty="0" smtClean="0"/>
+              <a:t>C# </a:t>
+            </a:r>
+            <a:r>
+              <a:rPr lang="ko-KR" altLang="en-US" b="1" dirty="0" smtClean="0"/>
+              <a:t>코드 뒤쪽에서 처리</a:t>
+            </a:r>
+            <a:r>
+              <a:rPr lang="ko-KR" altLang="en-US" dirty="0" smtClean="0"/>
+              <a:t>합니다</a:t>
+            </a:r>
+            <a:r>
+              <a:rPr lang="en-US" altLang="ko-KR" dirty="0" smtClean="0"/>
+              <a:t>.</a:t>
+            </a:r>
             <a:endParaRPr lang="ko-KR" altLang="en-US" dirty="0"/>
           </a:p>
         </p:txBody>
@@ -7318,15 +8240,60 @@
           <p:cNvPr id="2" name="제목 1">
             <a:extLst>
               <a:ext uri="{FF2B5EF4-FFF2-40B4-BE49-F238E27FC236}">
-                <a16:creationId xmlns:a16="http://schemas.microsoft.com/office/drawing/2014/main" id="{45474ED7-431F-30A7-4F36-C314B64F2C3A}"/>
-              </a:ext>
-            </a:extLst>
-          </p:cNvPr>
-          <p:cNvSpPr>
-            <a:spLocks noGrp="1"/>
-          </p:cNvSpPr>
-          <p:nvPr>
-            <p:ph type="title"/>
+                <a16:creationId xmlns:a16="http://schemas.microsoft.com/office/drawing/2014/main" id="{5CB49C79-8DE4-4842-D1E6-927CDD6D4464}"/>
+              </a:ext>
+            </a:extLst>
+          </p:cNvPr>
+          <p:cNvSpPr>
+            <a:spLocks noGrp="1"/>
+          </p:cNvSpPr>
+          <p:nvPr>
+            <p:ph type="ctrTitle"/>
+          </p:nvPr>
+        </p:nvSpPr>
+        <p:spPr>
+          <a:xfrm>
+            <a:off x="3724326" y="2637402"/>
+            <a:ext cx="4743348" cy="974422"/>
+          </a:xfrm>
+        </p:spPr>
+        <p:txBody>
+          <a:bodyPr>
+            <a:noAutofit/>
+          </a:bodyPr>
+          <a:lstStyle/>
+          <a:p>
+            <a:pPr>
+              <a:lnSpc>
+                <a:spcPct val="150000"/>
+              </a:lnSpc>
+            </a:pPr>
+            <a:r>
+              <a:rPr lang="en-US" altLang="ko-KR" dirty="0" smtClean="0"/>
+              <a:t>WPF </a:t>
+            </a:r>
+            <a:r>
+              <a:rPr lang="ko-KR" altLang="en-US" dirty="0" err="1" smtClean="0"/>
+              <a:t>도구상자</a:t>
+            </a:r>
+            <a:endParaRPr lang="ko-KR" altLang="en-US" dirty="0"/>
+          </a:p>
+        </p:txBody>
+      </p:sp>
+      <p:sp>
+        <p:nvSpPr>
+          <p:cNvPr id="4" name="날짜 개체 틀 3">
+            <a:extLst>
+              <a:ext uri="{FF2B5EF4-FFF2-40B4-BE49-F238E27FC236}">
+                <a16:creationId xmlns:a16="http://schemas.microsoft.com/office/drawing/2014/main" id="{20223B3B-2FCF-58AF-BC81-E9824EB6B19E}"/>
+              </a:ext>
+            </a:extLst>
+          </p:cNvPr>
+          <p:cNvSpPr>
+            <a:spLocks noGrp="1"/>
+          </p:cNvSpPr>
+          <p:nvPr>
+            <p:ph type="dt" sz="half" idx="10"/>
           </p:nvPr>
         </p:nvSpPr>
         <p:spPr/>
@@ -7334,59 +8301,9 @@
           <a:bodyPr/>
           <a:lstStyle/>
           <a:p>
-            <a:endParaRPr lang="ko-KR" altLang="en-US"/>
-          </a:p>
-        </p:txBody>
-      </p:sp>
-      <p:sp>
-        <p:nvSpPr>
-          <p:cNvPr id="3" name="내용 개체 틀 2">
-            <a:extLst>
-              <a:ext uri="{FF2B5EF4-FFF2-40B4-BE49-F238E27FC236}">
-                <a16:creationId xmlns:a16="http://schemas.microsoft.com/office/drawing/2014/main" id="{14D189D2-1428-10CA-1CF0-A8C085442C17}"/>
-              </a:ext>
-            </a:extLst>
-          </p:cNvPr>
-          <p:cNvSpPr>
-            <a:spLocks noGrp="1"/>
-          </p:cNvSpPr>
-          <p:nvPr>
-            <p:ph idx="1"/>
-          </p:nvPr>
-        </p:nvSpPr>
-        <p:spPr/>
-        <p:txBody>
-          <a:bodyPr/>
-          <a:lstStyle/>
-          <a:p>
-            <a:endParaRPr lang="ko-KR" altLang="en-US"/>
-          </a:p>
-        </p:txBody>
-      </p:sp>
-      <p:sp>
-        <p:nvSpPr>
-          <p:cNvPr id="4" name="날짜 개체 틀 3">
-            <a:extLst>
-              <a:ext uri="{FF2B5EF4-FFF2-40B4-BE49-F238E27FC236}">
-                <a16:creationId xmlns:a16="http://schemas.microsoft.com/office/drawing/2014/main" id="{D949AFB0-5116-D047-D4DD-B3A4ED4748D7}"/>
-              </a:ext>
-            </a:extLst>
-          </p:cNvPr>
-          <p:cNvSpPr>
-            <a:spLocks noGrp="1"/>
-          </p:cNvSpPr>
-          <p:nvPr>
-            <p:ph type="dt" sz="half" idx="10"/>
-          </p:nvPr>
-        </p:nvSpPr>
-        <p:spPr/>
-        <p:txBody>
-          <a:bodyPr/>
-          <a:lstStyle/>
-          <a:p>
-            <a:fld id="{0F78D9C4-20C1-4B15-A116-16DC77AD9A1E}" type="datetime1">
+            <a:fld id="{2E2BEDFA-D8AA-4914-9440-7DF713C99FA9}" type="datetime1">
               <a:rPr lang="ko-KR" altLang="en-US" smtClean="0"/>
-              <a:t>2025-05-19</a:t>
+              <a:t>2025-05-20</a:t>
             </a:fld>
             <a:endParaRPr lang="ko-KR" altLang="en-US"/>
           </a:p>
@@ -7394,10 +8311,10 @@
       </p:sp>
       <p:sp>
         <p:nvSpPr>
-          <p:cNvPr id="5" name="슬라이드 번호 개체 틀 4">
-            <a:extLst>
-              <a:ext uri="{FF2B5EF4-FFF2-40B4-BE49-F238E27FC236}">
-                <a16:creationId xmlns:a16="http://schemas.microsoft.com/office/drawing/2014/main" id="{1A780FC8-7DD0-A0C8-9C6F-A60AC14D37FA}"/>
+          <p:cNvPr id="6" name="슬라이드 번호 개체 틀 5">
+            <a:extLst>
+              <a:ext uri="{FF2B5EF4-FFF2-40B4-BE49-F238E27FC236}">
+                <a16:creationId xmlns:a16="http://schemas.microsoft.com/office/drawing/2014/main" id="{AC7112DC-52CD-A148-06F6-6813E1A67427}"/>
               </a:ext>
             </a:extLst>
           </p:cNvPr>
@@ -7424,7 +8341,7 @@
     </p:spTree>
     <p:extLst>
       <p:ext uri="{BB962C8B-B14F-4D97-AF65-F5344CB8AC3E}">
-        <p14:creationId xmlns:p14="http://schemas.microsoft.com/office/powerpoint/2010/main" val="1251765958"/>
+        <p14:creationId xmlns:p14="http://schemas.microsoft.com/office/powerpoint/2010/main" val="2397719263"/>
       </p:ext>
     </p:extLst>
   </p:cSld>
@@ -7858,7 +8775,7 @@
         </p:blipFill>
         <p:spPr>
           <a:xfrm>
-            <a:off x="3589842" y="1325563"/>
+            <a:off x="3589842" y="1690688"/>
             <a:ext cx="7763958" cy="4420217"/>
           </a:xfrm>
           <a:prstGeom prst="rect">
@@ -7961,39 +8878,59 @@
           <a:lstStyle/>
           <a:p>
             <a:r>
-              <a:rPr lang="ko-KR" altLang="en-US" sz="2400"/>
-              <a:t>각종 컨트롤을 탭에 포함시켜 한정된 공간에 여러개의 컨트롤을 넣을 수 있음</a:t>
-            </a:r>
-            <a:endParaRPr lang="en-US" altLang="ko-KR" sz="2400"/>
-          </a:p>
-          <a:p>
-            <a:r>
-              <a:rPr lang="en-US" altLang="ko-KR" sz="2400"/>
-              <a:t>TabItem </a:t>
-            </a:r>
-            <a:r>
-              <a:rPr lang="ko-KR" altLang="en-US" sz="2400"/>
+              <a:rPr lang="ko-KR" altLang="en-US" sz="2400" dirty="0"/>
+              <a:t>각종 컨트롤을 탭에 포함시켜 한정된 공간에 </a:t>
+            </a:r>
+            <a:r>
+              <a:rPr lang="ko-KR" altLang="en-US" sz="2400" dirty="0" err="1"/>
+              <a:t>여러개의</a:t>
+            </a:r>
+            <a:r>
+              <a:rPr lang="ko-KR" altLang="en-US" sz="2400" dirty="0"/>
+              <a:t> 컨트롤을 넣을 수 있음</a:t>
+            </a:r>
+            <a:endParaRPr lang="en-US" altLang="ko-KR" sz="2400" dirty="0"/>
+          </a:p>
+          <a:p>
+            <a:r>
+              <a:rPr lang="en-US" altLang="ko-KR" sz="2400" dirty="0" err="1"/>
+              <a:t>TabItem</a:t>
+            </a:r>
+            <a:r>
+              <a:rPr lang="en-US" altLang="ko-KR" sz="2400" dirty="0"/>
+              <a:t> </a:t>
+            </a:r>
+            <a:r>
+              <a:rPr lang="ko-KR" altLang="en-US" sz="2400" dirty="0"/>
               <a:t>태그를 사용하여 탭의 수를 늘릴 수 있음</a:t>
             </a:r>
-            <a:endParaRPr lang="en-US" altLang="ko-KR" sz="2400"/>
-          </a:p>
-          <a:p>
-            <a:r>
-              <a:rPr lang="ko-KR" altLang="en-US" sz="2400"/>
-              <a:t>탭을 변경시 탭에 포함된 컨트롤이 모두 표시</a:t>
-            </a:r>
-            <a:r>
-              <a:rPr lang="en-US" altLang="ko-KR" sz="2400"/>
+            <a:endParaRPr lang="en-US" altLang="ko-KR" sz="2400" dirty="0"/>
+          </a:p>
+          <a:p>
+            <a:r>
+              <a:rPr lang="ko-KR" altLang="en-US" sz="2400" dirty="0"/>
+              <a:t>탭을 </a:t>
+            </a:r>
+            <a:r>
+              <a:rPr lang="ko-KR" altLang="en-US" sz="2400" dirty="0" err="1"/>
+              <a:t>변경시</a:t>
+            </a:r>
+            <a:r>
+              <a:rPr lang="ko-KR" altLang="en-US" sz="2400" dirty="0"/>
+              <a:t> 탭에 포함된 컨트롤이 모두 표시</a:t>
+            </a:r>
+            <a:r>
+              <a:rPr lang="en-US" altLang="ko-KR" sz="2400" dirty="0"/>
               <a:t>/</a:t>
             </a:r>
             <a:r>
-              <a:rPr lang="ko-KR" altLang="en-US" sz="2400"/>
+              <a:rPr lang="ko-KR" altLang="en-US" sz="2400" dirty="0"/>
               <a:t>숨김 처리됨</a:t>
             </a:r>
-            <a:endParaRPr lang="en-US" altLang="ko-KR" sz="2400"/>
-          </a:p>
-          <a:p>
-            <a:endParaRPr lang="ko-KR" altLang="en-US" sz="2400"/>
+            <a:endParaRPr lang="en-US" altLang="ko-KR" sz="2400" dirty="0"/>
+          </a:p>
+          <a:p>
+            <a:endParaRPr lang="ko-KR" altLang="en-US" sz="2400" dirty="0"/>
           </a:p>
         </p:txBody>
       </p:sp>
@@ -8020,7 +8957,7 @@
           <a:p>
             <a:fld id="{0F78D9C4-20C1-4B15-A116-16DC77AD9A1E}" type="datetime1">
               <a:rPr lang="ko-KR" altLang="en-US" smtClean="0"/>
-              <a:t>2025-05-19</a:t>
+              <a:t>2025-05-20</a:t>
             </a:fld>
             <a:endParaRPr lang="ko-KR" altLang="en-US"/>
           </a:p>
@@ -8304,7 +9241,7 @@
           <a:p>
             <a:fld id="{0F78D9C4-20C1-4B15-A116-16DC77AD9A1E}" type="datetime1">
               <a:rPr lang="ko-KR" altLang="en-US" smtClean="0"/>
-              <a:t>2025-05-19</a:t>
+              <a:t>2025-05-20</a:t>
             </a:fld>
             <a:endParaRPr lang="ko-KR" altLang="en-US"/>
           </a:p>
@@ -8412,7 +9349,7 @@
           <p:nvPr/>
         </p:nvPicPr>
         <p:blipFill>
-          <a:blip r:embed="rId2"/>
+          <a:blip r:embed="rId3"/>
           <a:stretch>
             <a:fillRect/>
           </a:stretch>
@@ -8442,7 +9379,7 @@
           <p:nvPr/>
         </p:nvPicPr>
         <p:blipFill rotWithShape="1">
-          <a:blip r:embed="rId3"/>
+          <a:blip r:embed="rId4"/>
           <a:srcRect t="4839" r="23510"/>
           <a:stretch/>
         </p:blipFill>
@@ -8665,7 +9602,7 @@
           <a:p>
             <a:fld id="{0F78D9C4-20C1-4B15-A116-16DC77AD9A1E}" type="datetime1">
               <a:rPr lang="ko-KR" altLang="en-US" smtClean="0"/>
-              <a:t>2025-05-19</a:t>
+              <a:t>2025-05-20</a:t>
             </a:fld>
             <a:endParaRPr lang="ko-KR" altLang="en-US"/>
           </a:p>
@@ -8715,7 +9652,7 @@
           <p:nvPr/>
         </p:nvPicPr>
         <p:blipFill>
-          <a:blip r:embed="rId2"/>
+          <a:blip r:embed="rId3"/>
           <a:stretch>
             <a:fillRect/>
           </a:stretch>
@@ -8745,7 +9682,7 @@
           <p:nvPr/>
         </p:nvPicPr>
         <p:blipFill>
-          <a:blip r:embed="rId3"/>
+          <a:blip r:embed="rId4"/>
           <a:stretch>
             <a:fillRect/>
           </a:stretch>
@@ -10432,7 +11369,7 @@
           </p:nvSpPr>
           <p:spPr>
             <a:xfrm>
-              <a:off x="1883719" y="3908363"/>
+              <a:off x="1646712" y="3657857"/>
               <a:ext cx="1340432" cy="369332"/>
             </a:xfrm>
             <a:prstGeom prst="rect">
@@ -12699,7 +13636,7 @@
             <a:pPr lvl="1"/>
             <a:r>
               <a:rPr lang="en-US" altLang="ko-KR" sz="2000" dirty="0">
-                <a:hlinkClick r:id="rId2"/>
+                <a:hlinkClick r:id="rId3"/>
               </a:rPr>
               <a:t>https://learn.microsoft.com/en-us/microsoft-edge/webview2/get-started/wpf</a:t>
             </a:r>
@@ -12783,7 +13720,7 @@
           <p:nvPr/>
         </p:nvPicPr>
         <p:blipFill>
-          <a:blip r:embed="rId3"/>
+          <a:blip r:embed="rId4"/>
           <a:stretch>
             <a:fillRect/>
           </a:stretch>
@@ -14317,6 +15254,10 @@
               <a:rPr lang="ko-KR" altLang="en-US"/>
               <a:t>표준 컨트롤에 의존하지 않기 때문에 비교적 </a:t>
             </a:r>
+            <a:r>
+              <a:rPr lang="en-US" altLang="ko-KR"/>
+              <a:t/>
+            </a:r>
             <a:br>
               <a:rPr lang="en-US" altLang="ko-KR"/>
             </a:br>
@@ -14916,8 +15857,16 @@
               <a:t> </a:t>
             </a:r>
             <a:r>
+              <a:rPr lang="en-US" altLang="ko-KR" dirty="0" smtClean="0"/>
+              <a:t>Application </a:t>
+            </a:r>
+            <a:r>
+              <a:rPr lang="en-US" altLang="ko-KR" u="sng" dirty="0" smtClean="0"/>
+              <a:t>Markup </a:t>
+            </a:r>
+            <a:r>
               <a:rPr lang="en-US" altLang="ko-KR" u="sng" dirty="0"/>
-              <a:t>Markup Language (HTML,</a:t>
+              <a:t>Language (HTML,</a:t>
             </a:r>
             <a:r>
               <a:rPr lang="ko-KR" altLang="en-US" u="sng" dirty="0"/>
@@ -14984,6 +15933,10 @@
               <a:rPr lang="ko-KR" altLang="en-US" dirty="0"/>
               <a:t>를 사용</a:t>
             </a:r>
+            <a:r>
+              <a:rPr lang="en-US" altLang="ko-KR" dirty="0"/>
+              <a:t/>
+            </a:r>
             <a:br>
               <a:rPr lang="en-US" altLang="ko-KR" dirty="0"/>
             </a:br>
@@ -15017,7 +15970,7 @@
           <a:p>
             <a:fld id="{0F78D9C4-20C1-4B15-A116-16DC77AD9A1E}" type="datetime1">
               <a:rPr lang="ko-KR" altLang="en-US" smtClean="0"/>
-              <a:t>2025-05-19</a:t>
+              <a:t>2025-05-20</a:t>
             </a:fld>
             <a:endParaRPr lang="ko-KR" altLang="en-US"/>
           </a:p>
@@ -15191,9 +16144,9 @@
           <p:nvPr/>
         </p:nvCxnSpPr>
         <p:spPr>
-          <a:xfrm>
-            <a:off x="4852736" y="3400927"/>
-            <a:ext cx="2144782" cy="0"/>
+          <a:xfrm flipV="1">
+            <a:off x="4852736" y="3387958"/>
+            <a:ext cx="1736599" cy="12969"/>
           </a:xfrm>
           <a:prstGeom prst="straightConnector1">
             <a:avLst/>
@@ -15231,7 +16184,7 @@
         </p:nvSpPr>
         <p:spPr>
           <a:xfrm>
-            <a:off x="6997518" y="3077761"/>
+            <a:off x="6589335" y="3064793"/>
             <a:ext cx="4943982" cy="646331"/>
           </a:xfrm>
           <a:prstGeom prst="rect">
@@ -15563,10 +16516,10 @@
           <a:lstStyle/>
           <a:p>
             <a:r>
-              <a:rPr lang="en-US" altLang="ko-KR"/>
+              <a:rPr lang="en-US" altLang="ko-KR" dirty="0"/>
               <a:t>XAML</a:t>
             </a:r>
-            <a:endParaRPr lang="ko-KR" altLang="en-US"/>
+            <a:endParaRPr lang="ko-KR" altLang="en-US" dirty="0"/>
           </a:p>
         </p:txBody>
       </p:sp>
@@ -15637,11 +16590,23 @@
             </a:r>
             <a:r>
               <a:rPr lang="ko-KR" altLang="en-US" dirty="0"/>
-              <a:t>만 사용 가능</a:t>
+              <a:t>만 사용 </a:t>
+            </a:r>
+            <a:r>
+              <a:rPr lang="ko-KR" altLang="en-US" dirty="0" smtClean="0"/>
+              <a:t>가능</a:t>
+            </a:r>
+            <a:endParaRPr lang="en-US" altLang="ko-KR" dirty="0" smtClean="0"/>
+          </a:p>
+          <a:p>
+            <a:pPr lvl="1"/>
+            <a:r>
+              <a:rPr lang="en-US" altLang="ko-KR" dirty="0" smtClean="0"/>
+              <a:t>XAML </a:t>
             </a:r>
             <a:r>
               <a:rPr lang="en-US" altLang="ko-KR" dirty="0"/>
-              <a:t>XAML : Microsoft</a:t>
+              <a:t>: Microsoft</a:t>
             </a:r>
             <a:r>
               <a:rPr lang="ko-KR" altLang="en-US" dirty="0"/>
@@ -15740,7 +16705,7 @@
           <a:p>
             <a:fld id="{0F78D9C4-20C1-4B15-A116-16DC77AD9A1E}" type="datetime1">
               <a:rPr lang="ko-KR" altLang="en-US" smtClean="0"/>
-              <a:t>2025-05-19</a:t>
+              <a:t>2025-05-20</a:t>
             </a:fld>
             <a:endParaRPr lang="ko-KR" altLang="en-US"/>
           </a:p>
@@ -15896,8 +16861,8 @@
         </p:nvCxnSpPr>
         <p:spPr>
           <a:xfrm flipV="1">
-            <a:off x="3026351" y="4368970"/>
-            <a:ext cx="1730452" cy="340552"/>
+            <a:off x="3026351" y="4090024"/>
+            <a:ext cx="1915300" cy="619498"/>
           </a:xfrm>
           <a:prstGeom prst="straightConnector1">
             <a:avLst/>
@@ -15935,7 +16900,7 @@
         </p:nvSpPr>
         <p:spPr>
           <a:xfrm>
-            <a:off x="3543169" y="4012717"/>
+            <a:off x="3747450" y="3697700"/>
             <a:ext cx="2828018" cy="369332"/>
           </a:xfrm>
           <a:prstGeom prst="rect">
@@ -16015,7 +16980,7 @@
         </p:nvSpPr>
         <p:spPr>
           <a:xfrm>
-            <a:off x="6614923" y="4012245"/>
+            <a:off x="7038481" y="3990840"/>
             <a:ext cx="4495141" cy="369332"/>
           </a:xfrm>
           <a:prstGeom prst="rect">
